--- a/BIGSummer19_Guardado_Miguel.pptx
+++ b/BIGSummer19_Guardado_Miguel.pptx
@@ -15815,7 +15815,7 @@
         </p:nvSpPr>
         <p:spPr>
           <a:xfrm>
-            <a:off x="10726525" y="4786625"/>
+            <a:off x="10726525" y="4862825"/>
             <a:ext cx="27189900" cy="38598000"/>
           </a:xfrm>
           <a:prstGeom prst="rect">
@@ -16012,7 +16012,7 @@
         <p:spPr>
           <a:xfrm>
             <a:off x="4463281" y="2662210"/>
-            <a:ext cx="30648688" cy="2066866"/>
+            <a:ext cx="30648600" cy="2067000"/>
           </a:xfrm>
           <a:prstGeom prst="rect">
             <a:avLst/>
@@ -16599,7 +16599,7 @@
         </p:nvSpPr>
         <p:spPr>
           <a:xfrm>
-            <a:off x="10911579" y="5324785"/>
+            <a:off x="10911579" y="5212080"/>
             <a:ext cx="26839313" cy="777681"/>
           </a:xfrm>
           <a:custGeom>
@@ -16724,8 +16724,8 @@
         </p:nvSpPr>
         <p:spPr>
           <a:xfrm>
-            <a:off x="11104168" y="5395760"/>
-            <a:ext cx="5747492" cy="664892"/>
+            <a:off x="11000232" y="5303520"/>
+            <a:ext cx="5747400" cy="664800"/>
           </a:xfrm>
           <a:prstGeom prst="rect">
             <a:avLst/>
@@ -17256,8 +17256,8 @@
         </p:nvSpPr>
         <p:spPr>
           <a:xfrm>
-            <a:off x="203188" y="36155509"/>
-            <a:ext cx="9905429" cy="796275"/>
+            <a:off x="557784" y="36155509"/>
+            <a:ext cx="9419273" cy="757993"/>
           </a:xfrm>
           <a:custGeom>
             <a:rect b="b" l="l" r="r" t="t"/>
@@ -17381,8 +17381,8 @@
         </p:nvSpPr>
         <p:spPr>
           <a:xfrm>
-            <a:off x="310610" y="36233641"/>
-            <a:ext cx="9690600" cy="777300"/>
+            <a:off x="658368" y="36233641"/>
+            <a:ext cx="9418200" cy="777300"/>
           </a:xfrm>
           <a:prstGeom prst="rect">
             <a:avLst/>
@@ -17683,7 +17683,7 @@
                   <a:srgbClr val="183960"/>
                 </a:solidFill>
               </a:rPr>
-              <a:t>	Domestic dogs and wolves provide a system in which to understand how the DFE evolves over recent timescales, as these populations have  recently diverged. However, using genomic resequencing data from arctic wolves and breed dog, there was found no detectable difference in their inferred DFE. </a:t>
+              <a:t>	Domestic dogs and wolves provide a system in which to understand how the DFE evolves over recent timescales, as these populations have  recently diverged. However, using genomic resequencing data from arctic wolves and breed dogs, no detectable difference in the inferred DFE was found.</a:t>
             </a:r>
             <a:endParaRPr sz="4200">
               <a:solidFill>
@@ -18092,13 +18092,13 @@
           <a:blip r:embed="rId3">
             <a:alphaModFix/>
           </a:blip>
-          <a:srcRect b="0" l="0" r="3502" t="3241"/>
+          <a:srcRect b="0" l="1285" r="3503" t="3241"/>
           <a:stretch/>
         </p:blipFill>
         <p:spPr>
           <a:xfrm>
-            <a:off x="351150" y="37660400"/>
-            <a:ext cx="9795298" cy="5523750"/>
+            <a:off x="405375" y="37584200"/>
+            <a:ext cx="9664875" cy="5523750"/>
           </a:xfrm>
           <a:prstGeom prst="rect">
             <a:avLst/>
@@ -18493,9 +18493,9 @@
         <p:grpSpPr>
           <a:xfrm>
             <a:off x="10754000" y="20767125"/>
-            <a:ext cx="32960625" cy="4552611"/>
+            <a:ext cx="27572971" cy="4552611"/>
             <a:chOff x="10830200" y="20767125"/>
-            <a:chExt cx="32960625" cy="4552611"/>
+            <a:chExt cx="27572971" cy="4552611"/>
           </a:xfrm>
         </p:grpSpPr>
         <p:grpSp>
@@ -18903,7 +18903,7 @@
           <p:spPr>
             <a:xfrm>
               <a:off x="12963125" y="20767125"/>
-              <a:ext cx="30827700" cy="1155300"/>
+              <a:ext cx="22194000" cy="1155300"/>
             </a:xfrm>
             <a:prstGeom prst="rect">
               <a:avLst/>
@@ -19249,7 +19249,7 @@
                   <a:cs typeface="Calibri"/>
                   <a:sym typeface="Calibri"/>
                 </a:rPr>
-                <a:t>Comparison of Simulated and Inferred Wolf DFE</a:t>
+                <a:t>Comparison of Simulated and Inferred Arctic Wolf DFE</a:t>
               </a:r>
               <a:endParaRPr b="1" sz="4200">
                 <a:latin typeface="Calibri"/>
@@ -19261,130 +19261,9 @@
           </p:txBody>
         </p:sp>
       </p:grpSp>
-      <p:grpSp>
-        <p:nvGrpSpPr>
-          <p:cNvPr id="182" name="Google Shape;182;p25"/>
-          <p:cNvGrpSpPr/>
-          <p:nvPr/>
-        </p:nvGrpSpPr>
-        <p:grpSpPr>
-          <a:xfrm>
-            <a:off x="10990000" y="33359800"/>
-            <a:ext cx="17019153" cy="9888051"/>
-            <a:chOff x="10990000" y="33436000"/>
-            <a:chExt cx="17019153" cy="9888051"/>
-          </a:xfrm>
-        </p:grpSpPr>
-        <p:sp>
-          <p:nvSpPr>
-            <p:cNvPr id="183" name="Google Shape;183;p25"/>
-            <p:cNvSpPr txBox="1"/>
-            <p:nvPr/>
-          </p:nvSpPr>
-          <p:spPr>
-            <a:xfrm>
-              <a:off x="11763318" y="33436000"/>
-              <a:ext cx="14007600" cy="1155300"/>
-            </a:xfrm>
-            <a:prstGeom prst="rect">
-              <a:avLst/>
-            </a:prstGeom>
-            <a:noFill/>
-            <a:ln>
-              <a:noFill/>
-            </a:ln>
-          </p:spPr>
-          <p:txBody>
-            <a:bodyPr anchorCtr="0" anchor="t" bIns="91425" lIns="91425" spcFirstLastPara="1" rIns="91425" wrap="square" tIns="91425">
-              <a:noAutofit/>
-            </a:bodyPr>
-            <a:lstStyle/>
-            <a:p>
-              <a:pPr indent="0" lvl="0" marL="0" rtl="0" algn="l">
-                <a:spcBef>
-                  <a:spcPts val="0"/>
-                </a:spcBef>
-                <a:spcAft>
-                  <a:spcPts val="0"/>
-                </a:spcAft>
-                <a:buNone/>
-              </a:pPr>
-              <a:r>
-                <a:rPr b="1" lang="en" sz="4200">
-                  <a:latin typeface="Calibri"/>
-                  <a:ea typeface="Calibri"/>
-                  <a:cs typeface="Calibri"/>
-                  <a:sym typeface="Calibri"/>
-                </a:rPr>
-                <a:t>Comparison of Simulated and Inferred Dog DFE</a:t>
-              </a:r>
-              <a:endParaRPr b="1" sz="4200">
-                <a:latin typeface="Calibri"/>
-                <a:ea typeface="Calibri"/>
-                <a:cs typeface="Calibri"/>
-                <a:sym typeface="Calibri"/>
-              </a:endParaRPr>
-            </a:p>
-          </p:txBody>
-        </p:sp>
-        <p:pic>
-          <p:nvPicPr>
-            <p:cNvPr id="184" name="Google Shape;184;p25"/>
-            <p:cNvPicPr preferRelativeResize="0"/>
-            <p:nvPr/>
-          </p:nvPicPr>
-          <p:blipFill rotWithShape="1">
-            <a:blip r:embed="rId17">
-              <a:alphaModFix/>
-            </a:blip>
-            <a:srcRect b="50300" l="0" r="0" t="0"/>
-            <a:stretch/>
-          </p:blipFill>
-          <p:spPr>
-            <a:xfrm>
-              <a:off x="10990000" y="34121800"/>
-              <a:ext cx="17019153" cy="4603051"/>
-            </a:xfrm>
-            <a:prstGeom prst="rect">
-              <a:avLst/>
-            </a:prstGeom>
-            <a:noFill/>
-            <a:ln>
-              <a:noFill/>
-            </a:ln>
-          </p:spPr>
-        </p:pic>
-        <p:pic>
-          <p:nvPicPr>
-            <p:cNvPr id="185" name="Google Shape;185;p25"/>
-            <p:cNvPicPr preferRelativeResize="0"/>
-            <p:nvPr/>
-          </p:nvPicPr>
-          <p:blipFill rotWithShape="1">
-            <a:blip r:embed="rId17">
-              <a:alphaModFix/>
-            </a:blip>
-            <a:srcRect b="0" l="0" r="32276" t="50300"/>
-            <a:stretch/>
-          </p:blipFill>
-          <p:spPr>
-            <a:xfrm>
-              <a:off x="13729388" y="38721000"/>
-              <a:ext cx="11525875" cy="4603051"/>
-            </a:xfrm>
-            <a:prstGeom prst="rect">
-              <a:avLst/>
-            </a:prstGeom>
-            <a:noFill/>
-            <a:ln>
-              <a:noFill/>
-            </a:ln>
-          </p:spPr>
-        </p:pic>
-      </p:grpSp>
       <p:sp>
         <p:nvSpPr>
-          <p:cNvPr id="186" name="Google Shape;186;p25"/>
+          <p:cNvPr id="182" name="Google Shape;182;p25"/>
           <p:cNvSpPr txBox="1"/>
           <p:nvPr/>
         </p:nvSpPr>
@@ -19573,12 +19452,12 @@
       </p:sp>
       <p:pic>
         <p:nvPicPr>
-          <p:cNvPr id="187" name="Google Shape;187;p25"/>
+          <p:cNvPr id="183" name="Google Shape;183;p25"/>
           <p:cNvPicPr preferRelativeResize="0"/>
           <p:nvPr/>
         </p:nvPicPr>
         <p:blipFill>
-          <a:blip r:embed="rId18">
+          <a:blip r:embed="rId17">
             <a:alphaModFix/>
           </a:blip>
           <a:stretch>
@@ -19607,7 +19486,7 @@
       </p:pic>
       <p:cxnSp>
         <p:nvCxnSpPr>
-          <p:cNvPr id="188" name="Google Shape;188;p25"/>
+          <p:cNvPr id="184" name="Google Shape;184;p25"/>
           <p:cNvCxnSpPr/>
           <p:nvPr/>
         </p:nvCxnSpPr>
@@ -19633,12 +19512,12 @@
       </p:cxnSp>
       <p:pic>
         <p:nvPicPr>
-          <p:cNvPr id="189" name="Google Shape;189;p25"/>
+          <p:cNvPr id="185" name="Google Shape;185;p25"/>
           <p:cNvPicPr preferRelativeResize="0"/>
           <p:nvPr/>
         </p:nvPicPr>
         <p:blipFill>
-          <a:blip r:embed="rId19">
+          <a:blip r:embed="rId18">
             <a:alphaModFix/>
           </a:blip>
           <a:stretch>
@@ -19661,12 +19540,12 @@
       </p:pic>
       <p:pic>
         <p:nvPicPr>
-          <p:cNvPr id="190" name="Google Shape;190;p25"/>
+          <p:cNvPr id="186" name="Google Shape;186;p25"/>
           <p:cNvPicPr preferRelativeResize="0"/>
           <p:nvPr/>
         </p:nvPicPr>
         <p:blipFill rotWithShape="1">
-          <a:blip r:embed="rId20">
+          <a:blip r:embed="rId19">
             <a:alphaModFix/>
           </a:blip>
           <a:srcRect b="7080" l="15110" r="0" t="0"/>
@@ -19688,7 +19567,7 @@
       </p:pic>
       <p:sp>
         <p:nvSpPr>
-          <p:cNvPr id="191" name="Google Shape;191;p25"/>
+          <p:cNvPr id="187" name="Google Shape;187;p25"/>
           <p:cNvSpPr txBox="1"/>
           <p:nvPr/>
         </p:nvSpPr>
@@ -19746,7 +19625,7 @@
       </p:sp>
       <p:sp>
         <p:nvSpPr>
-          <p:cNvPr id="192" name="Google Shape;192;p25"/>
+          <p:cNvPr id="188" name="Google Shape;188;p25"/>
           <p:cNvSpPr txBox="1"/>
           <p:nvPr/>
         </p:nvSpPr>
@@ -19896,7 +19775,7 @@
       </p:sp>
       <p:sp>
         <p:nvSpPr>
-          <p:cNvPr id="193" name="Google Shape;193;p25"/>
+          <p:cNvPr id="189" name="Google Shape;189;p25"/>
           <p:cNvSpPr txBox="1"/>
           <p:nvPr/>
         </p:nvSpPr>
@@ -19946,7 +19825,7 @@
       </p:sp>
       <p:sp>
         <p:nvSpPr>
-          <p:cNvPr id="194" name="Google Shape;194;p25"/>
+          <p:cNvPr id="190" name="Google Shape;190;p25"/>
           <p:cNvSpPr txBox="1"/>
           <p:nvPr/>
         </p:nvSpPr>
@@ -19984,7 +19863,7 @@
                   <a:srgbClr val="183960"/>
                 </a:solidFill>
               </a:rPr>
-              <a:t>Given site frequency spectra, use `dadi` to infer populations demographic parameters, and `fitdadi` to infer the gamma-distributed DFE from demographic parameters.</a:t>
+              <a:t>Given site frequency spectra, use `dadi` to infer population demographic parameters, and `fitdadi` to infer the gamma-distributed DFE from demographic parameters.</a:t>
             </a:r>
             <a:endParaRPr sz="4200">
               <a:solidFill>
@@ -19996,7 +19875,7 @@
       </p:sp>
       <p:sp>
         <p:nvSpPr>
-          <p:cNvPr id="195" name="Google Shape;195;p25"/>
+          <p:cNvPr id="191" name="Google Shape;191;p25"/>
           <p:cNvSpPr txBox="1"/>
           <p:nvPr/>
         </p:nvSpPr>
@@ -20034,7 +19913,7 @@
                   <a:srgbClr val="183960"/>
                 </a:solidFill>
               </a:rPr>
-              <a:t>Compare the inferred DFE from simulated and empirical data..</a:t>
+              <a:t>Compare the inferred DFE from simulated and empirical data.</a:t>
             </a:r>
             <a:endParaRPr sz="4200">
               <a:solidFill>
@@ -20046,12 +19925,12 @@
       </p:sp>
       <p:pic>
         <p:nvPicPr>
-          <p:cNvPr id="196" name="Google Shape;196;p25"/>
+          <p:cNvPr id="192" name="Google Shape;192;p25"/>
           <p:cNvPicPr preferRelativeResize="0"/>
           <p:nvPr/>
         </p:nvPicPr>
         <p:blipFill rotWithShape="1">
-          <a:blip r:embed="rId21">
+          <a:blip r:embed="rId20">
             <a:alphaModFix/>
           </a:blip>
           <a:srcRect b="0" l="6358" r="0" t="0"/>
@@ -20079,12 +19958,12 @@
       </p:pic>
       <p:pic>
         <p:nvPicPr>
-          <p:cNvPr id="197" name="Google Shape;197;p25"/>
+          <p:cNvPr id="193" name="Google Shape;193;p25"/>
           <p:cNvPicPr preferRelativeResize="0"/>
           <p:nvPr/>
         </p:nvPicPr>
         <p:blipFill>
-          <a:blip r:embed="rId22">
+          <a:blip r:embed="rId21">
             <a:alphaModFix/>
           </a:blip>
           <a:stretch>
@@ -20093,7 +19972,7 @@
         </p:blipFill>
         <p:spPr>
           <a:xfrm>
-            <a:off x="18611838" y="7197613"/>
+            <a:off x="18611838" y="6984413"/>
             <a:ext cx="2105025" cy="438150"/>
           </a:xfrm>
           <a:prstGeom prst="rect">
@@ -20107,12 +19986,12 @@
       </p:pic>
       <p:pic>
         <p:nvPicPr>
-          <p:cNvPr id="198" name="Google Shape;198;p25"/>
+          <p:cNvPr id="194" name="Google Shape;194;p25"/>
           <p:cNvPicPr preferRelativeResize="0"/>
           <p:nvPr/>
         </p:nvPicPr>
         <p:blipFill>
-          <a:blip r:embed="rId23">
+          <a:blip r:embed="rId22">
             <a:alphaModFix/>
           </a:blip>
           <a:stretch>
@@ -20141,7 +20020,7 @@
       </p:pic>
       <p:cxnSp>
         <p:nvCxnSpPr>
-          <p:cNvPr id="199" name="Google Shape;199;p25"/>
+          <p:cNvPr id="195" name="Google Shape;195;p25"/>
           <p:cNvCxnSpPr/>
           <p:nvPr/>
         </p:nvCxnSpPr>
@@ -20167,7 +20046,7 @@
       </p:cxnSp>
       <p:cxnSp>
         <p:nvCxnSpPr>
-          <p:cNvPr id="200" name="Google Shape;200;p25"/>
+          <p:cNvPr id="196" name="Google Shape;196;p25"/>
           <p:cNvCxnSpPr/>
           <p:nvPr/>
         </p:nvCxnSpPr>
@@ -20193,12 +20072,12 @@
       </p:cxnSp>
       <p:pic>
         <p:nvPicPr>
-          <p:cNvPr id="201" name="Google Shape;201;p25"/>
+          <p:cNvPr id="197" name="Google Shape;197;p25"/>
           <p:cNvPicPr preferRelativeResize="0"/>
           <p:nvPr/>
         </p:nvPicPr>
         <p:blipFill>
-          <a:blip r:embed="rId24">
+          <a:blip r:embed="rId23">
             <a:alphaModFix/>
           </a:blip>
           <a:stretch>
@@ -20207,7 +20086,7 @@
         </p:blipFill>
         <p:spPr>
           <a:xfrm>
-            <a:off x="18611850" y="6822375"/>
+            <a:off x="18611850" y="6746175"/>
             <a:ext cx="2672725" cy="314450"/>
           </a:xfrm>
           <a:prstGeom prst="rect">
@@ -20221,12 +20100,12 @@
       </p:pic>
       <p:pic>
         <p:nvPicPr>
-          <p:cNvPr id="202" name="Google Shape;202;p25"/>
+          <p:cNvPr id="198" name="Google Shape;198;p25"/>
           <p:cNvPicPr preferRelativeResize="0"/>
           <p:nvPr/>
         </p:nvPicPr>
         <p:blipFill>
-          <a:blip r:embed="rId25">
+          <a:blip r:embed="rId24">
             <a:alphaModFix/>
           </a:blip>
           <a:stretch>
@@ -20247,6 +20126,240 @@
           </a:ln>
         </p:spPr>
       </p:pic>
+      <p:pic>
+        <p:nvPicPr>
+          <p:cNvPr id="199" name="Google Shape;199;p25"/>
+          <p:cNvPicPr preferRelativeResize="0"/>
+          <p:nvPr/>
+        </p:nvPicPr>
+        <p:blipFill rotWithShape="1">
+          <a:blip r:embed="rId25">
+            <a:alphaModFix/>
+          </a:blip>
+          <a:srcRect b="0" l="10140" r="10757" t="0"/>
+          <a:stretch/>
+        </p:blipFill>
+        <p:spPr>
+          <a:xfrm>
+            <a:off x="33184050" y="-42600"/>
+            <a:ext cx="5620193" cy="5031288"/>
+          </a:xfrm>
+          <a:prstGeom prst="rect">
+            <a:avLst/>
+          </a:prstGeom>
+          <a:noFill/>
+          <a:ln>
+            <a:noFill/>
+          </a:ln>
+        </p:spPr>
+      </p:pic>
+      <p:pic>
+        <p:nvPicPr>
+          <p:cNvPr id="200" name="Google Shape;200;p25"/>
+          <p:cNvPicPr preferRelativeResize="0"/>
+          <p:nvPr/>
+        </p:nvPicPr>
+        <p:blipFill>
+          <a:blip r:embed="rId26">
+            <a:alphaModFix/>
+          </a:blip>
+          <a:stretch>
+            <a:fillRect/>
+          </a:stretch>
+        </p:blipFill>
+        <p:spPr>
+          <a:xfrm>
+            <a:off x="450400" y="1499350"/>
+            <a:ext cx="2896223" cy="2896200"/>
+          </a:xfrm>
+          <a:prstGeom prst="rect">
+            <a:avLst/>
+          </a:prstGeom>
+          <a:noFill/>
+          <a:ln>
+            <a:noFill/>
+          </a:ln>
+        </p:spPr>
+      </p:pic>
+      <p:sp>
+        <p:nvSpPr>
+          <p:cNvPr id="201" name="Google Shape;201;p25"/>
+          <p:cNvSpPr txBox="1"/>
+          <p:nvPr/>
+        </p:nvSpPr>
+        <p:spPr>
+          <a:xfrm>
+            <a:off x="4676775" y="43085375"/>
+            <a:ext cx="5844900" cy="640200"/>
+          </a:xfrm>
+          <a:prstGeom prst="rect">
+            <a:avLst/>
+          </a:prstGeom>
+          <a:noFill/>
+          <a:ln>
+            <a:noFill/>
+          </a:ln>
+        </p:spPr>
+        <p:txBody>
+          <a:bodyPr anchorCtr="0" anchor="t" bIns="91425" lIns="91425" spcFirstLastPara="1" rIns="91425" wrap="square" tIns="91425">
+            <a:noAutofit/>
+          </a:bodyPr>
+          <a:lstStyle/>
+          <a:p>
+            <a:pPr indent="0" lvl="0" marL="0" rtl="0" algn="l">
+              <a:spcBef>
+                <a:spcPts val="0"/>
+              </a:spcBef>
+              <a:spcAft>
+                <a:spcPts val="0"/>
+              </a:spcAft>
+              <a:buNone/>
+            </a:pPr>
+            <a:r>
+              <a:rPr lang="en">
+                <a:solidFill>
+                  <a:srgbClr val="183960"/>
+                </a:solidFill>
+                <a:latin typeface="Calibri"/>
+                <a:ea typeface="Calibri"/>
+                <a:cs typeface="Calibri"/>
+                <a:sym typeface="Calibri"/>
+              </a:rPr>
+              <a:t>New mutations in breed dog populations are more likely to be deleterious.</a:t>
+            </a:r>
+            <a:endParaRPr>
+              <a:solidFill>
+                <a:srgbClr val="183960"/>
+              </a:solidFill>
+              <a:latin typeface="Calibri"/>
+              <a:ea typeface="Calibri"/>
+              <a:cs typeface="Calibri"/>
+              <a:sym typeface="Calibri"/>
+            </a:endParaRPr>
+          </a:p>
+        </p:txBody>
+      </p:sp>
+      <p:grpSp>
+        <p:nvGrpSpPr>
+          <p:cNvPr id="202" name="Google Shape;202;p25"/>
+          <p:cNvGrpSpPr/>
+          <p:nvPr/>
+        </p:nvGrpSpPr>
+        <p:grpSpPr>
+          <a:xfrm>
+            <a:off x="10983850" y="33359800"/>
+            <a:ext cx="17007828" cy="9999824"/>
+            <a:chOff x="10983850" y="33359800"/>
+            <a:chExt cx="17007828" cy="9999824"/>
+          </a:xfrm>
+        </p:grpSpPr>
+        <p:sp>
+          <p:nvSpPr>
+            <p:cNvPr id="203" name="Google Shape;203;p25"/>
+            <p:cNvSpPr txBox="1"/>
+            <p:nvPr/>
+          </p:nvSpPr>
+          <p:spPr>
+            <a:xfrm>
+              <a:off x="11763318" y="33359800"/>
+              <a:ext cx="14007600" cy="1155300"/>
+            </a:xfrm>
+            <a:prstGeom prst="rect">
+              <a:avLst/>
+            </a:prstGeom>
+            <a:noFill/>
+            <a:ln>
+              <a:noFill/>
+            </a:ln>
+          </p:spPr>
+          <p:txBody>
+            <a:bodyPr anchorCtr="0" anchor="t" bIns="91425" lIns="91425" spcFirstLastPara="1" rIns="91425" wrap="square" tIns="91425">
+              <a:noAutofit/>
+            </a:bodyPr>
+            <a:lstStyle/>
+            <a:p>
+              <a:pPr indent="0" lvl="0" marL="0" rtl="0" algn="l">
+                <a:spcBef>
+                  <a:spcPts val="0"/>
+                </a:spcBef>
+                <a:spcAft>
+                  <a:spcPts val="0"/>
+                </a:spcAft>
+                <a:buNone/>
+              </a:pPr>
+              <a:r>
+                <a:rPr b="1" lang="en" sz="4200">
+                  <a:latin typeface="Calibri"/>
+                  <a:ea typeface="Calibri"/>
+                  <a:cs typeface="Calibri"/>
+                  <a:sym typeface="Calibri"/>
+                </a:rPr>
+                <a:t>Comparison of Simulated and Inferred Breed Dog DFE</a:t>
+              </a:r>
+              <a:endParaRPr b="1" sz="4200">
+                <a:latin typeface="Calibri"/>
+                <a:ea typeface="Calibri"/>
+                <a:cs typeface="Calibri"/>
+                <a:sym typeface="Calibri"/>
+              </a:endParaRPr>
+            </a:p>
+          </p:txBody>
+        </p:sp>
+        <p:pic>
+          <p:nvPicPr>
+            <p:cNvPr id="204" name="Google Shape;204;p25"/>
+            <p:cNvPicPr preferRelativeResize="0"/>
+            <p:nvPr/>
+          </p:nvPicPr>
+          <p:blipFill rotWithShape="1">
+            <a:blip r:embed="rId27">
+              <a:alphaModFix/>
+            </a:blip>
+            <a:srcRect b="50431" l="0" r="0" t="0"/>
+            <a:stretch/>
+          </p:blipFill>
+          <p:spPr>
+            <a:xfrm>
+              <a:off x="10983850" y="34254419"/>
+              <a:ext cx="17007828" cy="4552599"/>
+            </a:xfrm>
+            <a:prstGeom prst="rect">
+              <a:avLst/>
+            </a:prstGeom>
+            <a:noFill/>
+            <a:ln>
+              <a:noFill/>
+            </a:ln>
+          </p:spPr>
+        </p:pic>
+        <p:pic>
+          <p:nvPicPr>
+            <p:cNvPr id="205" name="Google Shape;205;p25"/>
+            <p:cNvPicPr preferRelativeResize="0"/>
+            <p:nvPr/>
+          </p:nvPicPr>
+          <p:blipFill rotWithShape="1">
+            <a:blip r:embed="rId27">
+              <a:alphaModFix/>
+            </a:blip>
+            <a:srcRect b="0" l="0" r="30589" t="50431"/>
+            <a:stretch/>
+          </p:blipFill>
+          <p:spPr>
+            <a:xfrm>
+              <a:off x="13771188" y="38807025"/>
+              <a:ext cx="11805276" cy="4552599"/>
+            </a:xfrm>
+            <a:prstGeom prst="rect">
+              <a:avLst/>
+            </a:prstGeom>
+            <a:noFill/>
+            <a:ln>
+              <a:noFill/>
+            </a:ln>
+          </p:spPr>
+        </p:pic>
+      </p:grpSp>
     </p:spTree>
   </p:cSld>
   <p:clrMapOvr>
